--- a/簡報1.pptx
+++ b/簡報1.pptx
@@ -7,6 +7,7 @@
   <p:sldIdLst>
     <p:sldId id="257" r:id="rId2"/>
     <p:sldId id="256" r:id="rId3"/>
+    <p:sldId id="258" r:id="rId4"/>
   </p:sldIdLst>
   <p:sldSz cx="18000663" cy="3600450"/>
   <p:notesSz cx="6858000" cy="9144000"/>
@@ -265,7 +266,7 @@
           <a:p>
             <a:fld id="{3469F8FA-A8C6-499E-A6EC-36938B98631B}" type="datetimeFigureOut">
               <a:rPr lang="zh-TW" altLang="en-US" smtClean="0"/>
-              <a:t>2020/4/14</a:t>
+              <a:t>2020/5/2</a:t>
             </a:fld>
             <a:endParaRPr lang="zh-TW" altLang="en-US"/>
           </a:p>
@@ -435,7 +436,7 @@
           <a:p>
             <a:fld id="{3469F8FA-A8C6-499E-A6EC-36938B98631B}" type="datetimeFigureOut">
               <a:rPr lang="zh-TW" altLang="en-US" smtClean="0"/>
-              <a:t>2020/4/14</a:t>
+              <a:t>2020/5/2</a:t>
             </a:fld>
             <a:endParaRPr lang="zh-TW" altLang="en-US"/>
           </a:p>
@@ -615,7 +616,7 @@
           <a:p>
             <a:fld id="{3469F8FA-A8C6-499E-A6EC-36938B98631B}" type="datetimeFigureOut">
               <a:rPr lang="zh-TW" altLang="en-US" smtClean="0"/>
-              <a:t>2020/4/14</a:t>
+              <a:t>2020/5/2</a:t>
             </a:fld>
             <a:endParaRPr lang="zh-TW" altLang="en-US"/>
           </a:p>
@@ -785,7 +786,7 @@
           <a:p>
             <a:fld id="{3469F8FA-A8C6-499E-A6EC-36938B98631B}" type="datetimeFigureOut">
               <a:rPr lang="zh-TW" altLang="en-US" smtClean="0"/>
-              <a:t>2020/4/14</a:t>
+              <a:t>2020/5/2</a:t>
             </a:fld>
             <a:endParaRPr lang="zh-TW" altLang="en-US"/>
           </a:p>
@@ -1031,7 +1032,7 @@
           <a:p>
             <a:fld id="{3469F8FA-A8C6-499E-A6EC-36938B98631B}" type="datetimeFigureOut">
               <a:rPr lang="zh-TW" altLang="en-US" smtClean="0"/>
-              <a:t>2020/4/14</a:t>
+              <a:t>2020/5/2</a:t>
             </a:fld>
             <a:endParaRPr lang="zh-TW" altLang="en-US"/>
           </a:p>
@@ -1263,7 +1264,7 @@
           <a:p>
             <a:fld id="{3469F8FA-A8C6-499E-A6EC-36938B98631B}" type="datetimeFigureOut">
               <a:rPr lang="zh-TW" altLang="en-US" smtClean="0"/>
-              <a:t>2020/4/14</a:t>
+              <a:t>2020/5/2</a:t>
             </a:fld>
             <a:endParaRPr lang="zh-TW" altLang="en-US"/>
           </a:p>
@@ -1630,7 +1631,7 @@
           <a:p>
             <a:fld id="{3469F8FA-A8C6-499E-A6EC-36938B98631B}" type="datetimeFigureOut">
               <a:rPr lang="zh-TW" altLang="en-US" smtClean="0"/>
-              <a:t>2020/4/14</a:t>
+              <a:t>2020/5/2</a:t>
             </a:fld>
             <a:endParaRPr lang="zh-TW" altLang="en-US"/>
           </a:p>
@@ -1748,7 +1749,7 @@
           <a:p>
             <a:fld id="{3469F8FA-A8C6-499E-A6EC-36938B98631B}" type="datetimeFigureOut">
               <a:rPr lang="zh-TW" altLang="en-US" smtClean="0"/>
-              <a:t>2020/4/14</a:t>
+              <a:t>2020/5/2</a:t>
             </a:fld>
             <a:endParaRPr lang="zh-TW" altLang="en-US"/>
           </a:p>
@@ -1843,7 +1844,7 @@
           <a:p>
             <a:fld id="{3469F8FA-A8C6-499E-A6EC-36938B98631B}" type="datetimeFigureOut">
               <a:rPr lang="zh-TW" altLang="en-US" smtClean="0"/>
-              <a:t>2020/4/14</a:t>
+              <a:t>2020/5/2</a:t>
             </a:fld>
             <a:endParaRPr lang="zh-TW" altLang="en-US"/>
           </a:p>
@@ -2120,7 +2121,7 @@
           <a:p>
             <a:fld id="{3469F8FA-A8C6-499E-A6EC-36938B98631B}" type="datetimeFigureOut">
               <a:rPr lang="zh-TW" altLang="en-US" smtClean="0"/>
-              <a:t>2020/4/14</a:t>
+              <a:t>2020/5/2</a:t>
             </a:fld>
             <a:endParaRPr lang="zh-TW" altLang="en-US"/>
           </a:p>
@@ -2377,7 +2378,7 @@
           <a:p>
             <a:fld id="{3469F8FA-A8C6-499E-A6EC-36938B98631B}" type="datetimeFigureOut">
               <a:rPr lang="zh-TW" altLang="en-US" smtClean="0"/>
-              <a:t>2020/4/14</a:t>
+              <a:t>2020/5/2</a:t>
             </a:fld>
             <a:endParaRPr lang="zh-TW" altLang="en-US"/>
           </a:p>
@@ -2590,7 +2591,7 @@
           <a:p>
             <a:fld id="{3469F8FA-A8C6-499E-A6EC-36938B98631B}" type="datetimeFigureOut">
               <a:rPr lang="zh-TW" altLang="en-US" smtClean="0"/>
-              <a:t>2020/4/14</a:t>
+              <a:t>2020/5/2</a:t>
             </a:fld>
             <a:endParaRPr lang="zh-TW" altLang="en-US"/>
           </a:p>
@@ -3298,6 +3299,204 @@
 </p:sld>
 </file>
 
+<file path=ppt/slides/slide3.xml><?xml version="1.0" encoding="utf-8"?>
+<p:sld xmlns:a="http://schemas.openxmlformats.org/drawingml/2006/main" xmlns:r="http://schemas.openxmlformats.org/officeDocument/2006/relationships" xmlns:p="http://schemas.openxmlformats.org/presentationml/2006/main">
+  <p:cSld>
+    <p:bg>
+      <p:bgPr>
+        <a:solidFill>
+          <a:srgbClr val="253917"/>
+        </a:solidFill>
+        <a:effectLst/>
+      </p:bgPr>
+    </p:bg>
+    <p:spTree>
+      <p:nvGrpSpPr>
+        <p:cNvPr id="1" name=""/>
+        <p:cNvGrpSpPr/>
+        <p:nvPr/>
+      </p:nvGrpSpPr>
+      <p:grpSpPr>
+        <a:xfrm>
+          <a:off x="0" y="0"/>
+          <a:ext cx="0" cy="0"/>
+          <a:chOff x="0" y="0"/>
+          <a:chExt cx="0" cy="0"/>
+        </a:xfrm>
+      </p:grpSpPr>
+      <p:sp>
+        <p:nvSpPr>
+          <p:cNvPr id="12" name="文字方塊 11"/>
+          <p:cNvSpPr txBox="1"/>
+          <p:nvPr/>
+        </p:nvSpPr>
+        <p:spPr>
+          <a:xfrm>
+            <a:off x="133350" y="1032897"/>
+            <a:ext cx="13887450" cy="2246769"/>
+          </a:xfrm>
+          <a:prstGeom prst="rect">
+            <a:avLst/>
+          </a:prstGeom>
+          <a:noFill/>
+        </p:spPr>
+        <p:txBody>
+          <a:bodyPr wrap="square" rtlCol="0">
+            <a:spAutoFit/>
+          </a:bodyPr>
+          <a:lstStyle/>
+          <a:p>
+            <a:r>
+              <a:rPr lang="zh-TW" altLang="en-US" sz="8000" b="1" dirty="0" smtClean="0">
+                <a:solidFill>
+                  <a:schemeClr val="bg1"/>
+                </a:solidFill>
+                <a:latin typeface="SentyTEA 新蒂下午茶体" panose="03000600000000000000" pitchFamily="66" charset="-128"/>
+                <a:ea typeface="SentyTEA 新蒂下午茶体" panose="03000600000000000000" pitchFamily="66" charset="-128"/>
+                <a:cs typeface="SentyTEA 新蒂下午茶体" panose="03000600000000000000" pitchFamily="66" charset="-128"/>
+              </a:rPr>
+              <a:t>教案</a:t>
+            </a:r>
+            <a:endParaRPr lang="en-US" altLang="zh-TW" sz="8000" b="1" dirty="0">
+              <a:solidFill>
+                <a:schemeClr val="bg1"/>
+              </a:solidFill>
+              <a:latin typeface="SentyTEA 新蒂下午茶体" panose="03000600000000000000" pitchFamily="66" charset="-128"/>
+              <a:ea typeface="SentyTEA 新蒂下午茶体" panose="03000600000000000000" pitchFamily="66" charset="-128"/>
+              <a:cs typeface="SentyTEA 新蒂下午茶体" panose="03000600000000000000" pitchFamily="66" charset="-128"/>
+            </a:endParaRPr>
+          </a:p>
+          <a:p>
+            <a:r>
+              <a:rPr lang="en-US" altLang="zh-TW" sz="1600" dirty="0" smtClean="0">
+                <a:solidFill>
+                  <a:schemeClr val="bg1"/>
+                </a:solidFill>
+                <a:latin typeface="SentyTEA 新蒂下午茶体" panose="03000600000000000000" pitchFamily="66" charset="-128"/>
+                <a:ea typeface="SentyTEA 新蒂下午茶体" panose="03000600000000000000" pitchFamily="66" charset="-128"/>
+                <a:cs typeface="SentyTEA 新蒂下午茶体" panose="03000600000000000000" pitchFamily="66" charset="-128"/>
+              </a:rPr>
+              <a:t> </a:t>
+            </a:r>
+            <a:endParaRPr lang="en-US" altLang="zh-TW" sz="4400" dirty="0">
+              <a:solidFill>
+                <a:schemeClr val="bg1"/>
+              </a:solidFill>
+              <a:latin typeface="SentyTEA 新蒂下午茶体" panose="03000600000000000000" pitchFamily="66" charset="-128"/>
+              <a:ea typeface="SentyTEA 新蒂下午茶体" panose="03000600000000000000" pitchFamily="66" charset="-128"/>
+              <a:cs typeface="SentyTEA 新蒂下午茶体" panose="03000600000000000000" pitchFamily="66" charset="-128"/>
+            </a:endParaRPr>
+          </a:p>
+          <a:p>
+            <a:r>
+              <a:rPr lang="zh-TW" altLang="en-US" sz="4400" dirty="0" smtClean="0">
+                <a:solidFill>
+                  <a:schemeClr val="bg1"/>
+                </a:solidFill>
+                <a:latin typeface="SentyTEA 新蒂下午茶体" panose="03000600000000000000" pitchFamily="66" charset="-128"/>
+                <a:ea typeface="SentyTEA 新蒂下午茶体" panose="03000600000000000000" pitchFamily="66" charset="-128"/>
+                <a:cs typeface="SentyTEA 新蒂下午茶体" panose="03000600000000000000" pitchFamily="66" charset="-128"/>
+              </a:rPr>
+              <a:t>在</a:t>
+            </a:r>
+            <a:r>
+              <a:rPr lang="zh-TW" altLang="en-US" sz="4400" dirty="0">
+                <a:solidFill>
+                  <a:schemeClr val="bg1"/>
+                </a:solidFill>
+                <a:latin typeface="SentyTEA 新蒂下午茶体" panose="03000600000000000000" pitchFamily="66" charset="-128"/>
+                <a:ea typeface="SentyTEA 新蒂下午茶体" panose="03000600000000000000" pitchFamily="66" charset="-128"/>
+                <a:cs typeface="SentyTEA 新蒂下午茶体" panose="03000600000000000000" pitchFamily="66" charset="-128"/>
+              </a:rPr>
+              <a:t>寫教案的路程上，你並不是孤單一人</a:t>
+            </a:r>
+            <a:r>
+              <a:rPr lang="zh-TW" altLang="en-US" sz="4400" dirty="0" smtClean="0">
+                <a:solidFill>
+                  <a:schemeClr val="bg1"/>
+                </a:solidFill>
+                <a:latin typeface="SentyTEA 新蒂下午茶体" panose="03000600000000000000" pitchFamily="66" charset="-128"/>
+                <a:ea typeface="SentyTEA 新蒂下午茶体" panose="03000600000000000000" pitchFamily="66" charset="-128"/>
+                <a:cs typeface="SentyTEA 新蒂下午茶体" panose="03000600000000000000" pitchFamily="66" charset="-128"/>
+              </a:rPr>
+              <a:t>～</a:t>
+            </a:r>
+            <a:endParaRPr lang="zh-TW" altLang="en-US" sz="4400" dirty="0">
+              <a:solidFill>
+                <a:schemeClr val="bg1"/>
+              </a:solidFill>
+              <a:latin typeface="SentyTEA 新蒂下午茶体" panose="03000600000000000000" pitchFamily="66" charset="-128"/>
+              <a:ea typeface="SentyTEA 新蒂下午茶体" panose="03000600000000000000" pitchFamily="66" charset="-128"/>
+              <a:cs typeface="SentyTEA 新蒂下午茶体" panose="03000600000000000000" pitchFamily="66" charset="-128"/>
+            </a:endParaRPr>
+          </a:p>
+        </p:txBody>
+      </p:sp>
+      <p:sp>
+        <p:nvSpPr>
+          <p:cNvPr id="13" name="文字方塊 12"/>
+          <p:cNvSpPr txBox="1"/>
+          <p:nvPr/>
+        </p:nvSpPr>
+        <p:spPr>
+          <a:xfrm>
+            <a:off x="4038600" y="-30162"/>
+            <a:ext cx="13887450" cy="1323439"/>
+          </a:xfrm>
+          <a:prstGeom prst="rect">
+            <a:avLst/>
+          </a:prstGeom>
+          <a:noFill/>
+        </p:spPr>
+        <p:txBody>
+          <a:bodyPr wrap="square" rtlCol="0">
+            <a:spAutoFit/>
+          </a:bodyPr>
+          <a:lstStyle/>
+          <a:p>
+            <a:pPr algn="r"/>
+            <a:r>
+              <a:rPr lang="en-US" altLang="zh-TW" sz="8000" dirty="0" smtClean="0">
+                <a:solidFill>
+                  <a:srgbClr val="FFFF00"/>
+                </a:solidFill>
+                <a:latin typeface="SentyTEA 新蒂下午茶体" panose="03000600000000000000" pitchFamily="66" charset="-128"/>
+                <a:ea typeface="SentyTEA 新蒂下午茶体" panose="03000600000000000000" pitchFamily="66" charset="-128"/>
+                <a:cs typeface="SentyTEA 新蒂下午茶体" panose="03000600000000000000" pitchFamily="66" charset="-128"/>
+              </a:rPr>
+              <a:t>#2</a:t>
+            </a:r>
+            <a:endParaRPr lang="zh-TW" altLang="en-US" sz="4400" dirty="0">
+              <a:solidFill>
+                <a:srgbClr val="FFFF00"/>
+              </a:solidFill>
+              <a:latin typeface="SentyTEA 新蒂下午茶体" panose="03000600000000000000" pitchFamily="66" charset="-128"/>
+              <a:ea typeface="SentyTEA 新蒂下午茶体" panose="03000600000000000000" pitchFamily="66" charset="-128"/>
+              <a:cs typeface="SentyTEA 新蒂下午茶体" panose="03000600000000000000" pitchFamily="66" charset="-128"/>
+            </a:endParaRPr>
+          </a:p>
+        </p:txBody>
+      </p:sp>
+    </p:spTree>
+    <p:extLst>
+      <p:ext uri="{BB962C8B-B14F-4D97-AF65-F5344CB8AC3E}">
+        <p14:creationId xmlns:p14="http://schemas.microsoft.com/office/powerpoint/2010/main" val="1558082632"/>
+      </p:ext>
+    </p:extLst>
+  </p:cSld>
+  <p:clrMapOvr>
+    <a:masterClrMapping/>
+  </p:clrMapOvr>
+  <p:timing>
+    <p:tnLst>
+      <p:par>
+        <p:cTn id="1" dur="indefinite" restart="never" nodeType="tmRoot"/>
+      </p:par>
+    </p:tnLst>
+  </p:timing>
+</p:sld>
+</file>
+
 <file path=ppt/theme/theme1.xml><?xml version="1.0" encoding="utf-8"?>
 <a:theme xmlns:a="http://schemas.openxmlformats.org/drawingml/2006/main" name="Office 佈景主題">
   <a:themeElements>

--- a/簡報1.pptx
+++ b/簡報1.pptx
@@ -8,6 +8,7 @@
     <p:sldId id="257" r:id="rId2"/>
     <p:sldId id="256" r:id="rId3"/>
     <p:sldId id="258" r:id="rId4"/>
+    <p:sldId id="259" r:id="rId5"/>
   </p:sldIdLst>
   <p:sldSz cx="18000663" cy="3600450"/>
   <p:notesSz cx="6858000" cy="9144000"/>
@@ -266,7 +267,7 @@
           <a:p>
             <a:fld id="{3469F8FA-A8C6-499E-A6EC-36938B98631B}" type="datetimeFigureOut">
               <a:rPr lang="zh-TW" altLang="en-US" smtClean="0"/>
-              <a:t>2020/5/2</a:t>
+              <a:t>2020/5/26</a:t>
             </a:fld>
             <a:endParaRPr lang="zh-TW" altLang="en-US"/>
           </a:p>
@@ -436,7 +437,7 @@
           <a:p>
             <a:fld id="{3469F8FA-A8C6-499E-A6EC-36938B98631B}" type="datetimeFigureOut">
               <a:rPr lang="zh-TW" altLang="en-US" smtClean="0"/>
-              <a:t>2020/5/2</a:t>
+              <a:t>2020/5/26</a:t>
             </a:fld>
             <a:endParaRPr lang="zh-TW" altLang="en-US"/>
           </a:p>
@@ -616,7 +617,7 @@
           <a:p>
             <a:fld id="{3469F8FA-A8C6-499E-A6EC-36938B98631B}" type="datetimeFigureOut">
               <a:rPr lang="zh-TW" altLang="en-US" smtClean="0"/>
-              <a:t>2020/5/2</a:t>
+              <a:t>2020/5/26</a:t>
             </a:fld>
             <a:endParaRPr lang="zh-TW" altLang="en-US"/>
           </a:p>
@@ -786,7 +787,7 @@
           <a:p>
             <a:fld id="{3469F8FA-A8C6-499E-A6EC-36938B98631B}" type="datetimeFigureOut">
               <a:rPr lang="zh-TW" altLang="en-US" smtClean="0"/>
-              <a:t>2020/5/2</a:t>
+              <a:t>2020/5/26</a:t>
             </a:fld>
             <a:endParaRPr lang="zh-TW" altLang="en-US"/>
           </a:p>
@@ -1032,7 +1033,7 @@
           <a:p>
             <a:fld id="{3469F8FA-A8C6-499E-A6EC-36938B98631B}" type="datetimeFigureOut">
               <a:rPr lang="zh-TW" altLang="en-US" smtClean="0"/>
-              <a:t>2020/5/2</a:t>
+              <a:t>2020/5/26</a:t>
             </a:fld>
             <a:endParaRPr lang="zh-TW" altLang="en-US"/>
           </a:p>
@@ -1264,7 +1265,7 @@
           <a:p>
             <a:fld id="{3469F8FA-A8C6-499E-A6EC-36938B98631B}" type="datetimeFigureOut">
               <a:rPr lang="zh-TW" altLang="en-US" smtClean="0"/>
-              <a:t>2020/5/2</a:t>
+              <a:t>2020/5/26</a:t>
             </a:fld>
             <a:endParaRPr lang="zh-TW" altLang="en-US"/>
           </a:p>
@@ -1631,7 +1632,7 @@
           <a:p>
             <a:fld id="{3469F8FA-A8C6-499E-A6EC-36938B98631B}" type="datetimeFigureOut">
               <a:rPr lang="zh-TW" altLang="en-US" smtClean="0"/>
-              <a:t>2020/5/2</a:t>
+              <a:t>2020/5/26</a:t>
             </a:fld>
             <a:endParaRPr lang="zh-TW" altLang="en-US"/>
           </a:p>
@@ -1749,7 +1750,7 @@
           <a:p>
             <a:fld id="{3469F8FA-A8C6-499E-A6EC-36938B98631B}" type="datetimeFigureOut">
               <a:rPr lang="zh-TW" altLang="en-US" smtClean="0"/>
-              <a:t>2020/5/2</a:t>
+              <a:t>2020/5/26</a:t>
             </a:fld>
             <a:endParaRPr lang="zh-TW" altLang="en-US"/>
           </a:p>
@@ -1844,7 +1845,7 @@
           <a:p>
             <a:fld id="{3469F8FA-A8C6-499E-A6EC-36938B98631B}" type="datetimeFigureOut">
               <a:rPr lang="zh-TW" altLang="en-US" smtClean="0"/>
-              <a:t>2020/5/2</a:t>
+              <a:t>2020/5/26</a:t>
             </a:fld>
             <a:endParaRPr lang="zh-TW" altLang="en-US"/>
           </a:p>
@@ -2121,7 +2122,7 @@
           <a:p>
             <a:fld id="{3469F8FA-A8C6-499E-A6EC-36938B98631B}" type="datetimeFigureOut">
               <a:rPr lang="zh-TW" altLang="en-US" smtClean="0"/>
-              <a:t>2020/5/2</a:t>
+              <a:t>2020/5/26</a:t>
             </a:fld>
             <a:endParaRPr lang="zh-TW" altLang="en-US"/>
           </a:p>
@@ -2378,7 +2379,7 @@
           <a:p>
             <a:fld id="{3469F8FA-A8C6-499E-A6EC-36938B98631B}" type="datetimeFigureOut">
               <a:rPr lang="zh-TW" altLang="en-US" smtClean="0"/>
-              <a:t>2020/5/2</a:t>
+              <a:t>2020/5/26</a:t>
             </a:fld>
             <a:endParaRPr lang="zh-TW" altLang="en-US"/>
           </a:p>
@@ -2591,7 +2592,7 @@
           <a:p>
             <a:fld id="{3469F8FA-A8C6-499E-A6EC-36938B98631B}" type="datetimeFigureOut">
               <a:rPr lang="zh-TW" altLang="en-US" smtClean="0"/>
-              <a:t>2020/5/2</a:t>
+              <a:t>2020/5/26</a:t>
             </a:fld>
             <a:endParaRPr lang="zh-TW" altLang="en-US"/>
           </a:p>
@@ -3497,6 +3498,269 @@
 </p:sld>
 </file>
 
+<file path=ppt/slides/slide4.xml><?xml version="1.0" encoding="utf-8"?>
+<p:sld xmlns:a="http://schemas.openxmlformats.org/drawingml/2006/main" xmlns:r="http://schemas.openxmlformats.org/officeDocument/2006/relationships" xmlns:p="http://schemas.openxmlformats.org/presentationml/2006/main">
+  <p:cSld>
+    <p:bg>
+      <p:bgPr>
+        <a:solidFill>
+          <a:srgbClr val="391A05"/>
+        </a:solidFill>
+        <a:effectLst/>
+      </p:bgPr>
+    </p:bg>
+    <p:spTree>
+      <p:nvGrpSpPr>
+        <p:cNvPr id="1" name=""/>
+        <p:cNvGrpSpPr/>
+        <p:nvPr/>
+      </p:nvGrpSpPr>
+      <p:grpSpPr>
+        <a:xfrm>
+          <a:off x="0" y="0"/>
+          <a:ext cx="0" cy="0"/>
+          <a:chOff x="0" y="0"/>
+          <a:chExt cx="0" cy="0"/>
+        </a:xfrm>
+      </p:grpSpPr>
+      <p:sp>
+        <p:nvSpPr>
+          <p:cNvPr id="12" name="文字方塊 11"/>
+          <p:cNvSpPr txBox="1"/>
+          <p:nvPr/>
+        </p:nvSpPr>
+        <p:spPr>
+          <a:xfrm>
+            <a:off x="133349" y="1032897"/>
+            <a:ext cx="15691669" cy="2246769"/>
+          </a:xfrm>
+          <a:prstGeom prst="rect">
+            <a:avLst/>
+          </a:prstGeom>
+          <a:noFill/>
+        </p:spPr>
+        <p:txBody>
+          <a:bodyPr wrap="square" rtlCol="0">
+            <a:spAutoFit/>
+          </a:bodyPr>
+          <a:lstStyle/>
+          <a:p>
+            <a:pPr marL="0" marR="0" lvl="0" indent="0" algn="l" defTabSz="914400" rtl="0" eaLnBrk="1" fontAlgn="auto" latinLnBrk="0" hangingPunct="1">
+              <a:lnSpc>
+                <a:spcPct val="100000"/>
+              </a:lnSpc>
+              <a:spcBef>
+                <a:spcPts val="0"/>
+              </a:spcBef>
+              <a:spcAft>
+                <a:spcPts val="0"/>
+              </a:spcAft>
+              <a:buClrTx/>
+              <a:buSzTx/>
+              <a:buFontTx/>
+              <a:buNone/>
+              <a:tabLst/>
+              <a:defRPr/>
+            </a:pPr>
+            <a:r>
+              <a:rPr lang="zh-TW" altLang="en-US" sz="8000" b="1" dirty="0" smtClean="0">
+                <a:solidFill>
+                  <a:prstClr val="white"/>
+                </a:solidFill>
+                <a:latin typeface="SentyTEA 新蒂下午茶体" panose="03000600000000000000" pitchFamily="66" charset="-128"/>
+                <a:ea typeface="SentyTEA 新蒂下午茶体" panose="03000600000000000000" pitchFamily="66" charset="-128"/>
+                <a:cs typeface="SentyTEA 新蒂下午茶体" panose="03000600000000000000" pitchFamily="66" charset="-128"/>
+              </a:rPr>
+              <a:t>學生</a:t>
+            </a:r>
+            <a:endParaRPr kumimoji="0" lang="en-US" altLang="zh-TW" sz="8000" b="1" i="0" u="none" strike="noStrike" kern="1200" cap="none" spc="0" normalizeH="0" baseline="0" noProof="0" dirty="0">
+              <a:ln>
+                <a:noFill/>
+              </a:ln>
+              <a:solidFill>
+                <a:prstClr val="white"/>
+              </a:solidFill>
+              <a:effectLst/>
+              <a:uLnTx/>
+              <a:uFillTx/>
+              <a:latin typeface="SentyTEA 新蒂下午茶体" panose="03000600000000000000" pitchFamily="66" charset="-128"/>
+              <a:ea typeface="SentyTEA 新蒂下午茶体" panose="03000600000000000000" pitchFamily="66" charset="-128"/>
+              <a:cs typeface="SentyTEA 新蒂下午茶体" panose="03000600000000000000" pitchFamily="66" charset="-128"/>
+            </a:endParaRPr>
+          </a:p>
+          <a:p>
+            <a:pPr marL="0" marR="0" lvl="0" indent="0" algn="l" defTabSz="914400" rtl="0" eaLnBrk="1" fontAlgn="auto" latinLnBrk="0" hangingPunct="1">
+              <a:lnSpc>
+                <a:spcPct val="100000"/>
+              </a:lnSpc>
+              <a:spcBef>
+                <a:spcPts val="0"/>
+              </a:spcBef>
+              <a:spcAft>
+                <a:spcPts val="0"/>
+              </a:spcAft>
+              <a:buClrTx/>
+              <a:buSzTx/>
+              <a:buFontTx/>
+              <a:buNone/>
+              <a:tabLst/>
+              <a:defRPr/>
+            </a:pPr>
+            <a:r>
+              <a:rPr kumimoji="0" lang="en-US" altLang="zh-TW" sz="1600" b="0" i="0" u="none" strike="noStrike" kern="1200" cap="none" spc="0" normalizeH="0" baseline="0" noProof="0" dirty="0" smtClean="0">
+                <a:ln>
+                  <a:noFill/>
+                </a:ln>
+                <a:solidFill>
+                  <a:prstClr val="white"/>
+                </a:solidFill>
+                <a:effectLst/>
+                <a:uLnTx/>
+                <a:uFillTx/>
+                <a:latin typeface="SentyTEA 新蒂下午茶体" panose="03000600000000000000" pitchFamily="66" charset="-128"/>
+                <a:ea typeface="SentyTEA 新蒂下午茶体" panose="03000600000000000000" pitchFamily="66" charset="-128"/>
+                <a:cs typeface="SentyTEA 新蒂下午茶体" panose="03000600000000000000" pitchFamily="66" charset="-128"/>
+              </a:rPr>
+              <a:t> </a:t>
+            </a:r>
+            <a:endParaRPr kumimoji="0" lang="en-US" altLang="zh-TW" sz="4400" b="0" i="0" u="none" strike="noStrike" kern="1200" cap="none" spc="0" normalizeH="0" baseline="0" noProof="0" dirty="0">
+              <a:ln>
+                <a:noFill/>
+              </a:ln>
+              <a:solidFill>
+                <a:prstClr val="white"/>
+              </a:solidFill>
+              <a:effectLst/>
+              <a:uLnTx/>
+              <a:uFillTx/>
+              <a:latin typeface="SentyTEA 新蒂下午茶体" panose="03000600000000000000" pitchFamily="66" charset="-128"/>
+              <a:ea typeface="SentyTEA 新蒂下午茶体" panose="03000600000000000000" pitchFamily="66" charset="-128"/>
+              <a:cs typeface="SentyTEA 新蒂下午茶体" panose="03000600000000000000" pitchFamily="66" charset="-128"/>
+            </a:endParaRPr>
+          </a:p>
+          <a:p>
+            <a:pPr lvl="0"/>
+            <a:r>
+              <a:rPr lang="zh-TW" altLang="en-US" sz="4400" dirty="0">
+                <a:solidFill>
+                  <a:prstClr val="white"/>
+                </a:solidFill>
+                <a:latin typeface="SentyTEA 新蒂下午茶体" panose="03000600000000000000" pitchFamily="66" charset="-128"/>
+                <a:ea typeface="SentyTEA 新蒂下午茶体" panose="03000600000000000000" pitchFamily="66" charset="-128"/>
+                <a:cs typeface="SentyTEA 新蒂下午茶体" panose="03000600000000000000" pitchFamily="66" charset="-128"/>
+              </a:rPr>
+              <a:t>讓我們把眼光從自己身上，轉移到未來會接觸到的小朋友身上吧～</a:t>
+            </a:r>
+            <a:endParaRPr kumimoji="0" lang="zh-TW" altLang="en-US" sz="4400" b="0" i="0" u="none" strike="noStrike" kern="1200" cap="none" spc="0" normalizeH="0" baseline="0" noProof="0" dirty="0">
+              <a:ln>
+                <a:noFill/>
+              </a:ln>
+              <a:solidFill>
+                <a:prstClr val="white"/>
+              </a:solidFill>
+              <a:effectLst/>
+              <a:uLnTx/>
+              <a:uFillTx/>
+              <a:latin typeface="SentyTEA 新蒂下午茶体" panose="03000600000000000000" pitchFamily="66" charset="-128"/>
+              <a:ea typeface="SentyTEA 新蒂下午茶体" panose="03000600000000000000" pitchFamily="66" charset="-128"/>
+              <a:cs typeface="SentyTEA 新蒂下午茶体" panose="03000600000000000000" pitchFamily="66" charset="-128"/>
+            </a:endParaRPr>
+          </a:p>
+        </p:txBody>
+      </p:sp>
+      <p:sp>
+        <p:nvSpPr>
+          <p:cNvPr id="13" name="文字方塊 12"/>
+          <p:cNvSpPr txBox="1"/>
+          <p:nvPr/>
+        </p:nvSpPr>
+        <p:spPr>
+          <a:xfrm>
+            <a:off x="4038600" y="-30162"/>
+            <a:ext cx="13887450" cy="1323439"/>
+          </a:xfrm>
+          <a:prstGeom prst="rect">
+            <a:avLst/>
+          </a:prstGeom>
+          <a:noFill/>
+        </p:spPr>
+        <p:txBody>
+          <a:bodyPr wrap="square" rtlCol="0">
+            <a:spAutoFit/>
+          </a:bodyPr>
+          <a:lstStyle/>
+          <a:p>
+            <a:pPr marL="0" marR="0" lvl="0" indent="0" algn="r" defTabSz="914400" rtl="0" eaLnBrk="1" fontAlgn="auto" latinLnBrk="0" hangingPunct="1">
+              <a:lnSpc>
+                <a:spcPct val="100000"/>
+              </a:lnSpc>
+              <a:spcBef>
+                <a:spcPts val="0"/>
+              </a:spcBef>
+              <a:spcAft>
+                <a:spcPts val="0"/>
+              </a:spcAft>
+              <a:buClrTx/>
+              <a:buSzTx/>
+              <a:buFontTx/>
+              <a:buNone/>
+              <a:tabLst/>
+              <a:defRPr/>
+            </a:pPr>
+            <a:r>
+              <a:rPr kumimoji="0" lang="en-US" altLang="zh-TW" sz="8000" b="0" i="0" u="none" strike="noStrike" kern="1200" cap="none" spc="0" normalizeH="0" baseline="0" noProof="0" dirty="0" smtClean="0">
+                <a:ln>
+                  <a:noFill/>
+                </a:ln>
+                <a:solidFill>
+                  <a:srgbClr val="FFFF00"/>
+                </a:solidFill>
+                <a:effectLst/>
+                <a:uLnTx/>
+                <a:uFillTx/>
+                <a:latin typeface="SentyTEA 新蒂下午茶体" panose="03000600000000000000" pitchFamily="66" charset="-128"/>
+                <a:ea typeface="SentyTEA 新蒂下午茶体" panose="03000600000000000000" pitchFamily="66" charset="-128"/>
+                <a:cs typeface="SentyTEA 新蒂下午茶体" panose="03000600000000000000" pitchFamily="66" charset="-128"/>
+              </a:rPr>
+              <a:t>#3</a:t>
+            </a:r>
+            <a:endParaRPr kumimoji="0" lang="zh-TW" altLang="en-US" sz="4400" b="0" i="0" u="none" strike="noStrike" kern="1200" cap="none" spc="0" normalizeH="0" baseline="0" noProof="0" dirty="0">
+              <a:ln>
+                <a:noFill/>
+              </a:ln>
+              <a:solidFill>
+                <a:srgbClr val="FFFF00"/>
+              </a:solidFill>
+              <a:effectLst/>
+              <a:uLnTx/>
+              <a:uFillTx/>
+              <a:latin typeface="SentyTEA 新蒂下午茶体" panose="03000600000000000000" pitchFamily="66" charset="-128"/>
+              <a:ea typeface="SentyTEA 新蒂下午茶体" panose="03000600000000000000" pitchFamily="66" charset="-128"/>
+              <a:cs typeface="SentyTEA 新蒂下午茶体" panose="03000600000000000000" pitchFamily="66" charset="-128"/>
+            </a:endParaRPr>
+          </a:p>
+        </p:txBody>
+      </p:sp>
+    </p:spTree>
+    <p:extLst>
+      <p:ext uri="{BB962C8B-B14F-4D97-AF65-F5344CB8AC3E}">
+        <p14:creationId xmlns:p14="http://schemas.microsoft.com/office/powerpoint/2010/main" val="2285160278"/>
+      </p:ext>
+    </p:extLst>
+  </p:cSld>
+  <p:clrMapOvr>
+    <a:masterClrMapping/>
+  </p:clrMapOvr>
+  <p:timing>
+    <p:tnLst>
+      <p:par>
+        <p:cTn id="1" dur="indefinite" restart="never" nodeType="tmRoot"/>
+      </p:par>
+    </p:tnLst>
+  </p:timing>
+</p:sld>
+</file>
+
 <file path=ppt/theme/theme1.xml><?xml version="1.0" encoding="utf-8"?>
 <a:theme xmlns:a="http://schemas.openxmlformats.org/drawingml/2006/main" name="Office 佈景主題">
   <a:themeElements>

--- a/簡報1.pptx
+++ b/簡報1.pptx
@@ -9,6 +9,7 @@
     <p:sldId id="256" r:id="rId3"/>
     <p:sldId id="258" r:id="rId4"/>
     <p:sldId id="259" r:id="rId5"/>
+    <p:sldId id="260" r:id="rId6"/>
   </p:sldIdLst>
   <p:sldSz cx="18000663" cy="3600450"/>
   <p:notesSz cx="6858000" cy="9144000"/>
@@ -267,7 +268,7 @@
           <a:p>
             <a:fld id="{3469F8FA-A8C6-499E-A6EC-36938B98631B}" type="datetimeFigureOut">
               <a:rPr lang="zh-TW" altLang="en-US" smtClean="0"/>
-              <a:t>2020/5/26</a:t>
+              <a:t>2020/6/18</a:t>
             </a:fld>
             <a:endParaRPr lang="zh-TW" altLang="en-US"/>
           </a:p>
@@ -437,7 +438,7 @@
           <a:p>
             <a:fld id="{3469F8FA-A8C6-499E-A6EC-36938B98631B}" type="datetimeFigureOut">
               <a:rPr lang="zh-TW" altLang="en-US" smtClean="0"/>
-              <a:t>2020/5/26</a:t>
+              <a:t>2020/6/18</a:t>
             </a:fld>
             <a:endParaRPr lang="zh-TW" altLang="en-US"/>
           </a:p>
@@ -617,7 +618,7 @@
           <a:p>
             <a:fld id="{3469F8FA-A8C6-499E-A6EC-36938B98631B}" type="datetimeFigureOut">
               <a:rPr lang="zh-TW" altLang="en-US" smtClean="0"/>
-              <a:t>2020/5/26</a:t>
+              <a:t>2020/6/18</a:t>
             </a:fld>
             <a:endParaRPr lang="zh-TW" altLang="en-US"/>
           </a:p>
@@ -787,7 +788,7 @@
           <a:p>
             <a:fld id="{3469F8FA-A8C6-499E-A6EC-36938B98631B}" type="datetimeFigureOut">
               <a:rPr lang="zh-TW" altLang="en-US" smtClean="0"/>
-              <a:t>2020/5/26</a:t>
+              <a:t>2020/6/18</a:t>
             </a:fld>
             <a:endParaRPr lang="zh-TW" altLang="en-US"/>
           </a:p>
@@ -1033,7 +1034,7 @@
           <a:p>
             <a:fld id="{3469F8FA-A8C6-499E-A6EC-36938B98631B}" type="datetimeFigureOut">
               <a:rPr lang="zh-TW" altLang="en-US" smtClean="0"/>
-              <a:t>2020/5/26</a:t>
+              <a:t>2020/6/18</a:t>
             </a:fld>
             <a:endParaRPr lang="zh-TW" altLang="en-US"/>
           </a:p>
@@ -1265,7 +1266,7 @@
           <a:p>
             <a:fld id="{3469F8FA-A8C6-499E-A6EC-36938B98631B}" type="datetimeFigureOut">
               <a:rPr lang="zh-TW" altLang="en-US" smtClean="0"/>
-              <a:t>2020/5/26</a:t>
+              <a:t>2020/6/18</a:t>
             </a:fld>
             <a:endParaRPr lang="zh-TW" altLang="en-US"/>
           </a:p>
@@ -1632,7 +1633,7 @@
           <a:p>
             <a:fld id="{3469F8FA-A8C6-499E-A6EC-36938B98631B}" type="datetimeFigureOut">
               <a:rPr lang="zh-TW" altLang="en-US" smtClean="0"/>
-              <a:t>2020/5/26</a:t>
+              <a:t>2020/6/18</a:t>
             </a:fld>
             <a:endParaRPr lang="zh-TW" altLang="en-US"/>
           </a:p>
@@ -1750,7 +1751,7 @@
           <a:p>
             <a:fld id="{3469F8FA-A8C6-499E-A6EC-36938B98631B}" type="datetimeFigureOut">
               <a:rPr lang="zh-TW" altLang="en-US" smtClean="0"/>
-              <a:t>2020/5/26</a:t>
+              <a:t>2020/6/18</a:t>
             </a:fld>
             <a:endParaRPr lang="zh-TW" altLang="en-US"/>
           </a:p>
@@ -1845,7 +1846,7 @@
           <a:p>
             <a:fld id="{3469F8FA-A8C6-499E-A6EC-36938B98631B}" type="datetimeFigureOut">
               <a:rPr lang="zh-TW" altLang="en-US" smtClean="0"/>
-              <a:t>2020/5/26</a:t>
+              <a:t>2020/6/18</a:t>
             </a:fld>
             <a:endParaRPr lang="zh-TW" altLang="en-US"/>
           </a:p>
@@ -2122,7 +2123,7 @@
           <a:p>
             <a:fld id="{3469F8FA-A8C6-499E-A6EC-36938B98631B}" type="datetimeFigureOut">
               <a:rPr lang="zh-TW" altLang="en-US" smtClean="0"/>
-              <a:t>2020/5/26</a:t>
+              <a:t>2020/6/18</a:t>
             </a:fld>
             <a:endParaRPr lang="zh-TW" altLang="en-US"/>
           </a:p>
@@ -2379,7 +2380,7 @@
           <a:p>
             <a:fld id="{3469F8FA-A8C6-499E-A6EC-36938B98631B}" type="datetimeFigureOut">
               <a:rPr lang="zh-TW" altLang="en-US" smtClean="0"/>
-              <a:t>2020/5/26</a:t>
+              <a:t>2020/6/18</a:t>
             </a:fld>
             <a:endParaRPr lang="zh-TW" altLang="en-US"/>
           </a:p>
@@ -2592,7 +2593,7 @@
           <a:p>
             <a:fld id="{3469F8FA-A8C6-499E-A6EC-36938B98631B}" type="datetimeFigureOut">
               <a:rPr lang="zh-TW" altLang="en-US" smtClean="0"/>
-              <a:t>2020/5/26</a:t>
+              <a:t>2020/6/18</a:t>
             </a:fld>
             <a:endParaRPr lang="zh-TW" altLang="en-US"/>
           </a:p>
@@ -3761,6 +3762,305 @@
 </p:sld>
 </file>
 
+<file path=ppt/slides/slide5.xml><?xml version="1.0" encoding="utf-8"?>
+<p:sld xmlns:a="http://schemas.openxmlformats.org/drawingml/2006/main" xmlns:r="http://schemas.openxmlformats.org/officeDocument/2006/relationships" xmlns:p="http://schemas.openxmlformats.org/presentationml/2006/main">
+  <p:cSld>
+    <p:bg>
+      <p:bgPr>
+        <a:solidFill>
+          <a:schemeClr val="tx1">
+            <a:lumMod val="75000"/>
+            <a:lumOff val="25000"/>
+          </a:schemeClr>
+        </a:solidFill>
+        <a:effectLst/>
+      </p:bgPr>
+    </p:bg>
+    <p:spTree>
+      <p:nvGrpSpPr>
+        <p:cNvPr id="1" name=""/>
+        <p:cNvGrpSpPr/>
+        <p:nvPr/>
+      </p:nvGrpSpPr>
+      <p:grpSpPr>
+        <a:xfrm>
+          <a:off x="0" y="0"/>
+          <a:ext cx="0" cy="0"/>
+          <a:chOff x="0" y="0"/>
+          <a:chExt cx="0" cy="0"/>
+        </a:xfrm>
+      </p:grpSpPr>
+      <p:sp>
+        <p:nvSpPr>
+          <p:cNvPr id="12" name="文字方塊 11"/>
+          <p:cNvSpPr txBox="1"/>
+          <p:nvPr/>
+        </p:nvSpPr>
+        <p:spPr>
+          <a:xfrm>
+            <a:off x="133349" y="1032897"/>
+            <a:ext cx="15691669" cy="2246769"/>
+          </a:xfrm>
+          <a:prstGeom prst="rect">
+            <a:avLst/>
+          </a:prstGeom>
+          <a:noFill/>
+        </p:spPr>
+        <p:txBody>
+          <a:bodyPr wrap="square" rtlCol="0">
+            <a:spAutoFit/>
+          </a:bodyPr>
+          <a:lstStyle/>
+          <a:p>
+            <a:pPr marL="0" marR="0" lvl="0" indent="0" algn="l" defTabSz="914400" rtl="0" eaLnBrk="1" fontAlgn="auto" latinLnBrk="0" hangingPunct="1">
+              <a:lnSpc>
+                <a:spcPct val="100000"/>
+              </a:lnSpc>
+              <a:spcBef>
+                <a:spcPts val="0"/>
+              </a:spcBef>
+              <a:spcAft>
+                <a:spcPts val="0"/>
+              </a:spcAft>
+              <a:buClrTx/>
+              <a:buSzTx/>
+              <a:buFontTx/>
+              <a:buNone/>
+              <a:tabLst/>
+              <a:defRPr/>
+            </a:pPr>
+            <a:r>
+              <a:rPr lang="zh-TW" altLang="en-US" sz="8000" b="1" dirty="0" smtClean="0">
+                <a:solidFill>
+                  <a:prstClr val="white"/>
+                </a:solidFill>
+                <a:latin typeface="SentyTEA 新蒂下午茶体" panose="03000600000000000000" pitchFamily="66" charset="-128"/>
+                <a:ea typeface="SentyTEA 新蒂下午茶体" panose="03000600000000000000" pitchFamily="66" charset="-128"/>
+                <a:cs typeface="SentyTEA 新蒂下午茶体" panose="03000600000000000000" pitchFamily="66" charset="-128"/>
+              </a:rPr>
+              <a:t>他期待</a:t>
+            </a:r>
+            <a:r>
+              <a:rPr lang="en-US" altLang="zh-TW" sz="8000" b="1" dirty="0" smtClean="0">
+                <a:solidFill>
+                  <a:prstClr val="white"/>
+                </a:solidFill>
+                <a:latin typeface="SentyTEA 新蒂下午茶体" panose="03000600000000000000" pitchFamily="66" charset="-128"/>
+                <a:ea typeface="SentyTEA 新蒂下午茶体" panose="03000600000000000000" pitchFamily="66" charset="-128"/>
+                <a:cs typeface="SentyTEA 新蒂下午茶体" panose="03000600000000000000" pitchFamily="66" charset="-128"/>
+              </a:rPr>
+              <a:t>……</a:t>
+            </a:r>
+            <a:endParaRPr kumimoji="0" lang="en-US" altLang="zh-TW" sz="8000" b="1" i="0" u="none" strike="noStrike" kern="1200" cap="none" spc="0" normalizeH="0" baseline="0" noProof="0" dirty="0" smtClean="0">
+              <a:ln>
+                <a:noFill/>
+              </a:ln>
+              <a:solidFill>
+                <a:prstClr val="white"/>
+              </a:solidFill>
+              <a:effectLst/>
+              <a:uLnTx/>
+              <a:uFillTx/>
+              <a:latin typeface="SentyTEA 新蒂下午茶体" panose="03000600000000000000" pitchFamily="66" charset="-128"/>
+              <a:ea typeface="SentyTEA 新蒂下午茶体" panose="03000600000000000000" pitchFamily="66" charset="-128"/>
+              <a:cs typeface="SentyTEA 新蒂下午茶体" panose="03000600000000000000" pitchFamily="66" charset="-128"/>
+            </a:endParaRPr>
+          </a:p>
+          <a:p>
+            <a:pPr marL="0" marR="0" lvl="0" indent="0" algn="l" defTabSz="914400" rtl="0" eaLnBrk="1" fontAlgn="auto" latinLnBrk="0" hangingPunct="1">
+              <a:lnSpc>
+                <a:spcPct val="100000"/>
+              </a:lnSpc>
+              <a:spcBef>
+                <a:spcPts val="0"/>
+              </a:spcBef>
+              <a:spcAft>
+                <a:spcPts val="0"/>
+              </a:spcAft>
+              <a:buClrTx/>
+              <a:buSzTx/>
+              <a:buFontTx/>
+              <a:buNone/>
+              <a:tabLst/>
+              <a:defRPr/>
+            </a:pPr>
+            <a:r>
+              <a:rPr kumimoji="0" lang="en-US" altLang="zh-TW" sz="1600" b="0" i="0" u="none" strike="noStrike" kern="1200" cap="none" spc="0" normalizeH="0" baseline="0" noProof="0" dirty="0" smtClean="0">
+                <a:ln>
+                  <a:noFill/>
+                </a:ln>
+                <a:solidFill>
+                  <a:prstClr val="white"/>
+                </a:solidFill>
+                <a:effectLst/>
+                <a:uLnTx/>
+                <a:uFillTx/>
+                <a:latin typeface="SentyTEA 新蒂下午茶体" panose="03000600000000000000" pitchFamily="66" charset="-128"/>
+                <a:ea typeface="SentyTEA 新蒂下午茶体" panose="03000600000000000000" pitchFamily="66" charset="-128"/>
+                <a:cs typeface="SentyTEA 新蒂下午茶体" panose="03000600000000000000" pitchFamily="66" charset="-128"/>
+              </a:rPr>
+              <a:t> </a:t>
+            </a:r>
+            <a:endParaRPr kumimoji="0" lang="en-US" altLang="zh-TW" sz="4400" b="0" i="0" u="none" strike="noStrike" kern="1200" cap="none" spc="0" normalizeH="0" baseline="0" noProof="0" dirty="0" smtClean="0">
+              <a:ln>
+                <a:noFill/>
+              </a:ln>
+              <a:solidFill>
+                <a:prstClr val="white"/>
+              </a:solidFill>
+              <a:effectLst/>
+              <a:uLnTx/>
+              <a:uFillTx/>
+              <a:latin typeface="SentyTEA 新蒂下午茶体" panose="03000600000000000000" pitchFamily="66" charset="-128"/>
+              <a:ea typeface="SentyTEA 新蒂下午茶体" panose="03000600000000000000" pitchFamily="66" charset="-128"/>
+              <a:cs typeface="SentyTEA 新蒂下午茶体" panose="03000600000000000000" pitchFamily="66" charset="-128"/>
+            </a:endParaRPr>
+          </a:p>
+          <a:p>
+            <a:pPr lvl="0"/>
+            <a:r>
+              <a:rPr lang="zh-TW" altLang="en-US" sz="4400" dirty="0" smtClean="0">
+                <a:solidFill>
+                  <a:prstClr val="white"/>
+                </a:solidFill>
+                <a:latin typeface="SentyTEA 新蒂下午茶体" panose="03000600000000000000" pitchFamily="66" charset="-128"/>
+                <a:ea typeface="SentyTEA 新蒂下午茶体" panose="03000600000000000000" pitchFamily="66" charset="-128"/>
+                <a:cs typeface="SentyTEA 新蒂下午茶体" panose="03000600000000000000" pitchFamily="66" charset="-128"/>
+              </a:rPr>
+              <a:t>我</a:t>
+            </a:r>
+            <a:r>
+              <a:rPr lang="zh-TW" altLang="en-US" sz="4400" dirty="0">
+                <a:solidFill>
+                  <a:prstClr val="white"/>
+                </a:solidFill>
+                <a:latin typeface="SentyTEA 新蒂下午茶体" panose="03000600000000000000" pitchFamily="66" charset="-128"/>
+                <a:ea typeface="SentyTEA 新蒂下午茶体" panose="03000600000000000000" pitchFamily="66" charset="-128"/>
+                <a:cs typeface="SentyTEA 新蒂下午茶体" panose="03000600000000000000" pitchFamily="66" charset="-128"/>
+              </a:rPr>
+              <a:t>和他的期待，當中有什麼差距呢</a:t>
+            </a:r>
+            <a:r>
+              <a:rPr lang="zh-TW" altLang="en-US" sz="4400" dirty="0" smtClean="0">
+                <a:solidFill>
+                  <a:prstClr val="white"/>
+                </a:solidFill>
+                <a:latin typeface="SentyTEA 新蒂下午茶体" panose="03000600000000000000" pitchFamily="66" charset="-128"/>
+                <a:ea typeface="SentyTEA 新蒂下午茶体" panose="03000600000000000000" pitchFamily="66" charset="-128"/>
+                <a:cs typeface="SentyTEA 新蒂下午茶体" panose="03000600000000000000" pitchFamily="66" charset="-128"/>
+              </a:rPr>
+              <a:t>？</a:t>
+            </a:r>
+            <a:endParaRPr kumimoji="0" lang="zh-TW" altLang="en-US" sz="4400" b="0" i="0" u="none" strike="noStrike" kern="1200" cap="none" spc="0" normalizeH="0" baseline="0" noProof="0" dirty="0">
+              <a:ln>
+                <a:noFill/>
+              </a:ln>
+              <a:solidFill>
+                <a:prstClr val="white"/>
+              </a:solidFill>
+              <a:effectLst/>
+              <a:uLnTx/>
+              <a:uFillTx/>
+              <a:latin typeface="SentyTEA 新蒂下午茶体" panose="03000600000000000000" pitchFamily="66" charset="-128"/>
+              <a:ea typeface="SentyTEA 新蒂下午茶体" panose="03000600000000000000" pitchFamily="66" charset="-128"/>
+              <a:cs typeface="SentyTEA 新蒂下午茶体" panose="03000600000000000000" pitchFamily="66" charset="-128"/>
+            </a:endParaRPr>
+          </a:p>
+        </p:txBody>
+      </p:sp>
+      <p:sp>
+        <p:nvSpPr>
+          <p:cNvPr id="13" name="文字方塊 12"/>
+          <p:cNvSpPr txBox="1"/>
+          <p:nvPr/>
+        </p:nvSpPr>
+        <p:spPr>
+          <a:xfrm>
+            <a:off x="4038600" y="-30162"/>
+            <a:ext cx="13887450" cy="1323439"/>
+          </a:xfrm>
+          <a:prstGeom prst="rect">
+            <a:avLst/>
+          </a:prstGeom>
+          <a:noFill/>
+        </p:spPr>
+        <p:txBody>
+          <a:bodyPr wrap="square" rtlCol="0">
+            <a:spAutoFit/>
+          </a:bodyPr>
+          <a:lstStyle/>
+          <a:p>
+            <a:pPr marL="0" marR="0" lvl="0" indent="0" algn="r" defTabSz="914400" rtl="0" eaLnBrk="1" fontAlgn="auto" latinLnBrk="0" hangingPunct="1">
+              <a:lnSpc>
+                <a:spcPct val="100000"/>
+              </a:lnSpc>
+              <a:spcBef>
+                <a:spcPts val="0"/>
+              </a:spcBef>
+              <a:spcAft>
+                <a:spcPts val="0"/>
+              </a:spcAft>
+              <a:buClrTx/>
+              <a:buSzTx/>
+              <a:buFontTx/>
+              <a:buNone/>
+              <a:tabLst/>
+              <a:defRPr/>
+            </a:pPr>
+            <a:r>
+              <a:rPr kumimoji="0" lang="en-US" altLang="zh-TW" sz="8000" b="0" i="0" u="none" strike="noStrike" kern="1200" cap="none" spc="0" normalizeH="0" baseline="0" noProof="0" dirty="0" smtClean="0">
+                <a:ln>
+                  <a:noFill/>
+                </a:ln>
+                <a:solidFill>
+                  <a:srgbClr val="FFFF00"/>
+                </a:solidFill>
+                <a:effectLst/>
+                <a:uLnTx/>
+                <a:uFillTx/>
+                <a:latin typeface="SentyTEA 新蒂下午茶体" panose="03000600000000000000" pitchFamily="66" charset="-128"/>
+                <a:ea typeface="SentyTEA 新蒂下午茶体" panose="03000600000000000000" pitchFamily="66" charset="-128"/>
+                <a:cs typeface="SentyTEA 新蒂下午茶体" panose="03000600000000000000" pitchFamily="66" charset="-128"/>
+              </a:rPr>
+              <a:t>#4</a:t>
+            </a:r>
+            <a:endParaRPr kumimoji="0" lang="zh-TW" altLang="en-US" sz="4400" b="0" i="0" u="none" strike="noStrike" kern="1200" cap="none" spc="0" normalizeH="0" baseline="0" noProof="0" dirty="0">
+              <a:ln>
+                <a:noFill/>
+              </a:ln>
+              <a:solidFill>
+                <a:srgbClr val="FFFF00"/>
+              </a:solidFill>
+              <a:effectLst/>
+              <a:uLnTx/>
+              <a:uFillTx/>
+              <a:latin typeface="SentyTEA 新蒂下午茶体" panose="03000600000000000000" pitchFamily="66" charset="-128"/>
+              <a:ea typeface="SentyTEA 新蒂下午茶体" panose="03000600000000000000" pitchFamily="66" charset="-128"/>
+              <a:cs typeface="SentyTEA 新蒂下午茶体" panose="03000600000000000000" pitchFamily="66" charset="-128"/>
+            </a:endParaRPr>
+          </a:p>
+        </p:txBody>
+      </p:sp>
+    </p:spTree>
+    <p:extLst>
+      <p:ext uri="{BB962C8B-B14F-4D97-AF65-F5344CB8AC3E}">
+        <p14:creationId xmlns:p14="http://schemas.microsoft.com/office/powerpoint/2010/main" val="3776844190"/>
+      </p:ext>
+    </p:extLst>
+  </p:cSld>
+  <p:clrMapOvr>
+    <a:masterClrMapping/>
+  </p:clrMapOvr>
+  <p:timing>
+    <p:tnLst>
+      <p:par>
+        <p:cTn id="1" dur="indefinite" restart="never" nodeType="tmRoot"/>
+      </p:par>
+    </p:tnLst>
+  </p:timing>
+</p:sld>
+</file>
+
 <file path=ppt/theme/theme1.xml><?xml version="1.0" encoding="utf-8"?>
 <a:theme xmlns:a="http://schemas.openxmlformats.org/drawingml/2006/main" name="Office 佈景主題">
   <a:themeElements>
